--- a/Week 02 - DB.pptx
+++ b/Week 02 - DB.pptx
@@ -5,24 +5,23 @@
     <p:sldMasterId id="2147483661" r:id="rId1"/>
   </p:sldMasterIdLst>
   <p:notesMasterIdLst>
-    <p:notesMasterId r:id="rId17"/>
+    <p:notesMasterId r:id="rId16"/>
   </p:notesMasterIdLst>
   <p:sldIdLst>
     <p:sldId id="256" r:id="rId2"/>
-    <p:sldId id="270" r:id="rId3"/>
-    <p:sldId id="257" r:id="rId4"/>
-    <p:sldId id="258" r:id="rId5"/>
-    <p:sldId id="259" r:id="rId6"/>
-    <p:sldId id="260" r:id="rId7"/>
-    <p:sldId id="261" r:id="rId8"/>
-    <p:sldId id="262" r:id="rId9"/>
-    <p:sldId id="263" r:id="rId10"/>
-    <p:sldId id="264" r:id="rId11"/>
-    <p:sldId id="265" r:id="rId12"/>
-    <p:sldId id="266" r:id="rId13"/>
-    <p:sldId id="267" r:id="rId14"/>
-    <p:sldId id="268" r:id="rId15"/>
-    <p:sldId id="269" r:id="rId16"/>
+    <p:sldId id="257" r:id="rId3"/>
+    <p:sldId id="258" r:id="rId4"/>
+    <p:sldId id="259" r:id="rId5"/>
+    <p:sldId id="260" r:id="rId6"/>
+    <p:sldId id="261" r:id="rId7"/>
+    <p:sldId id="262" r:id="rId8"/>
+    <p:sldId id="263" r:id="rId9"/>
+    <p:sldId id="264" r:id="rId10"/>
+    <p:sldId id="265" r:id="rId11"/>
+    <p:sldId id="266" r:id="rId12"/>
+    <p:sldId id="267" r:id="rId13"/>
+    <p:sldId id="268" r:id="rId14"/>
+    <p:sldId id="269" r:id="rId15"/>
   </p:sldIdLst>
   <p:sldSz cx="12192000" cy="6858000"/>
   <p:notesSz cx="6858000" cy="9144000"/>
@@ -255,6 +254,11 @@
       </a:defRPr>
     </a:lvl9pPr>
   </p:defaultTextStyle>
+  <p:extLst>
+    <p:ext uri="{EFAFB233-063F-42B5-8137-9DF3F51BA10A}">
+      <p15:sldGuideLst xmlns:p15="http://schemas.microsoft.com/office/powerpoint/2012/main"/>
+    </p:ext>
+  </p:extLst>
 </p:presentation>
 </file>
 
@@ -971,133 +975,6 @@
   <p:cSld>
     <p:spTree>
       <p:nvGrpSpPr>
-        <p:cNvPr id="1" name="Shape 154"/>
-        <p:cNvGrpSpPr/>
-        <p:nvPr/>
-      </p:nvGrpSpPr>
-      <p:grpSpPr>
-        <a:xfrm>
-          <a:off x="0" y="0"/>
-          <a:ext cx="0" cy="0"/>
-          <a:chOff x="0" y="0"/>
-          <a:chExt cx="0" cy="0"/>
-        </a:xfrm>
-      </p:grpSpPr>
-      <p:sp>
-        <p:nvSpPr>
-          <p:cNvPr id="155" name="Google Shape;155;p9:notes"/>
-          <p:cNvSpPr>
-            <a:spLocks noGrp="1" noRot="1" noChangeAspect="1"/>
-          </p:cNvSpPr>
-          <p:nvPr>
-            <p:ph type="sldImg" idx="2"/>
-          </p:nvPr>
-        </p:nvSpPr>
-        <p:spPr>
-          <a:xfrm>
-            <a:off x="381000" y="685800"/>
-            <a:ext cx="6096000" cy="3429000"/>
-          </a:xfrm>
-          <a:custGeom>
-            <a:avLst/>
-            <a:gdLst/>
-            <a:ahLst/>
-            <a:cxnLst/>
-            <a:rect l="l" t="t" r="r" b="b"/>
-            <a:pathLst>
-              <a:path w="120000" h="120000" extrusionOk="0">
-                <a:moveTo>
-                  <a:pt x="0" y="0"/>
-                </a:moveTo>
-                <a:lnTo>
-                  <a:pt x="120000" y="0"/>
-                </a:lnTo>
-                <a:lnTo>
-                  <a:pt x="120000" y="120000"/>
-                </a:lnTo>
-                <a:lnTo>
-                  <a:pt x="0" y="120000"/>
-                </a:lnTo>
-                <a:close/>
-              </a:path>
-            </a:pathLst>
-          </a:custGeom>
-          <a:noFill/>
-          <a:ln w="9525" cap="flat" cmpd="sng">
-            <a:solidFill>
-              <a:srgbClr val="000000"/>
-            </a:solidFill>
-            <a:prstDash val="solid"/>
-            <a:round/>
-            <a:headEnd type="none" w="sm" len="sm"/>
-            <a:tailEnd type="none" w="sm" len="sm"/>
-          </a:ln>
-        </p:spPr>
-      </p:sp>
-      <p:sp>
-        <p:nvSpPr>
-          <p:cNvPr id="156" name="Google Shape;156;p9:notes"/>
-          <p:cNvSpPr txBox="1">
-            <a:spLocks noGrp="1"/>
-          </p:cNvSpPr>
-          <p:nvPr>
-            <p:ph type="body" idx="1"/>
-          </p:nvPr>
-        </p:nvSpPr>
-        <p:spPr>
-          <a:xfrm>
-            <a:off x="685800" y="4343400"/>
-            <a:ext cx="5486400" cy="4114800"/>
-          </a:xfrm>
-          <a:prstGeom prst="rect">
-            <a:avLst/>
-          </a:prstGeom>
-          <a:noFill/>
-          <a:ln>
-            <a:noFill/>
-          </a:ln>
-        </p:spPr>
-        <p:txBody>
-          <a:bodyPr spcFirstLastPara="1" wrap="square" lIns="91425" tIns="91425" rIns="91425" bIns="91425" anchor="t" anchorCtr="0">
-            <a:noAutofit/>
-          </a:bodyPr>
-          <a:lstStyle/>
-          <a:p>
-            <a:pPr marL="0" lvl="0" indent="0" algn="l" rtl="0">
-              <a:lnSpc>
-                <a:spcPct val="100000"/>
-              </a:lnSpc>
-              <a:spcBef>
-                <a:spcPts val="0"/>
-              </a:spcBef>
-              <a:spcAft>
-                <a:spcPts val="0"/>
-              </a:spcAft>
-              <a:buSzPts val="1100"/>
-              <a:buNone/>
-            </a:pPr>
-            <a:endParaRPr/>
-          </a:p>
-        </p:txBody>
-      </p:sp>
-    </p:spTree>
-    <p:extLst>
-      <p:ext uri="{BB962C8B-B14F-4D97-AF65-F5344CB8AC3E}">
-        <p14:creationId xmlns:p14="http://schemas.microsoft.com/office/powerpoint/2010/main" val="1167700715"/>
-      </p:ext>
-    </p:extLst>
-  </p:cSld>
-  <p:clrMapOvr>
-    <a:masterClrMapping/>
-  </p:clrMapOvr>
-</p:notes>
-</file>
-
-<file path=ppt/notesSlides/notesSlide11.xml><?xml version="1.0" encoding="utf-8"?>
-<p:notes xmlns:a="http://schemas.openxmlformats.org/drawingml/2006/main" xmlns:r="http://schemas.openxmlformats.org/officeDocument/2006/relationships" xmlns:p="http://schemas.openxmlformats.org/presentationml/2006/main" showMasterSp="0" showMasterPhAnim="0">
-  <p:cSld>
-    <p:spTree>
-      <p:nvGrpSpPr>
         <p:cNvPr id="1" name="Shape 160"/>
         <p:cNvGrpSpPr/>
         <p:nvPr/>
@@ -1220,7 +1097,7 @@
 </p:notes>
 </file>
 
-<file path=ppt/notesSlides/notesSlide12.xml><?xml version="1.0" encoding="utf-8"?>
+<file path=ppt/notesSlides/notesSlide11.xml><?xml version="1.0" encoding="utf-8"?>
 <p:notes xmlns:a="http://schemas.openxmlformats.org/drawingml/2006/main" xmlns:r="http://schemas.openxmlformats.org/officeDocument/2006/relationships" xmlns:p="http://schemas.openxmlformats.org/presentationml/2006/main" showMasterSp="0" showMasterPhAnim="0">
   <p:cSld>
     <p:spTree>
@@ -1347,7 +1224,7 @@
 </p:notes>
 </file>
 
-<file path=ppt/notesSlides/notesSlide13.xml><?xml version="1.0" encoding="utf-8"?>
+<file path=ppt/notesSlides/notesSlide12.xml><?xml version="1.0" encoding="utf-8"?>
 <p:notes xmlns:a="http://schemas.openxmlformats.org/drawingml/2006/main" xmlns:r="http://schemas.openxmlformats.org/officeDocument/2006/relationships" xmlns:p="http://schemas.openxmlformats.org/presentationml/2006/main" showMasterSp="0" showMasterPhAnim="0">
   <p:cSld>
     <p:spTree>
@@ -1456,7 +1333,7 @@
 </p:notes>
 </file>
 
-<file path=ppt/notesSlides/notesSlide14.xml><?xml version="1.0" encoding="utf-8"?>
+<file path=ppt/notesSlides/notesSlide13.xml><?xml version="1.0" encoding="utf-8"?>
 <p:notes xmlns:a="http://schemas.openxmlformats.org/drawingml/2006/main" xmlns:r="http://schemas.openxmlformats.org/officeDocument/2006/relationships" xmlns:p="http://schemas.openxmlformats.org/presentationml/2006/main" showMasterSp="0" showMasterPhAnim="0">
   <p:cSld>
     <p:spTree>
@@ -1583,7 +1460,7 @@
 </p:notes>
 </file>
 
-<file path=ppt/notesSlides/notesSlide15.xml><?xml version="1.0" encoding="utf-8"?>
+<file path=ppt/notesSlides/notesSlide14.xml><?xml version="1.0" encoding="utf-8"?>
 <p:notes xmlns:a="http://schemas.openxmlformats.org/drawingml/2006/main" xmlns:r="http://schemas.openxmlformats.org/officeDocument/2006/relationships" xmlns:p="http://schemas.openxmlformats.org/presentationml/2006/main" showMasterSp="0" showMasterPhAnim="0">
   <p:cSld>
     <p:spTree>
@@ -1715,133 +1592,6 @@
   <p:cSld>
     <p:spTree>
       <p:nvGrpSpPr>
-        <p:cNvPr id="1" name="Shape 97"/>
-        <p:cNvGrpSpPr/>
-        <p:nvPr/>
-      </p:nvGrpSpPr>
-      <p:grpSpPr>
-        <a:xfrm>
-          <a:off x="0" y="0"/>
-          <a:ext cx="0" cy="0"/>
-          <a:chOff x="0" y="0"/>
-          <a:chExt cx="0" cy="0"/>
-        </a:xfrm>
-      </p:grpSpPr>
-      <p:sp>
-        <p:nvSpPr>
-          <p:cNvPr id="98" name="Google Shape;98;p1:notes"/>
-          <p:cNvSpPr txBox="1">
-            <a:spLocks noGrp="1"/>
-          </p:cNvSpPr>
-          <p:nvPr>
-            <p:ph type="body" idx="1"/>
-          </p:nvPr>
-        </p:nvSpPr>
-        <p:spPr>
-          <a:xfrm>
-            <a:off x="685800" y="4343400"/>
-            <a:ext cx="5486400" cy="4114800"/>
-          </a:xfrm>
-          <a:prstGeom prst="rect">
-            <a:avLst/>
-          </a:prstGeom>
-          <a:noFill/>
-          <a:ln>
-            <a:noFill/>
-          </a:ln>
-        </p:spPr>
-        <p:txBody>
-          <a:bodyPr spcFirstLastPara="1" wrap="square" lIns="91425" tIns="91425" rIns="91425" bIns="91425" anchor="t" anchorCtr="0">
-            <a:noAutofit/>
-          </a:bodyPr>
-          <a:lstStyle/>
-          <a:p>
-            <a:pPr marL="0" lvl="0" indent="0" algn="l" rtl="0">
-              <a:lnSpc>
-                <a:spcPct val="100000"/>
-              </a:lnSpc>
-              <a:spcBef>
-                <a:spcPts val="0"/>
-              </a:spcBef>
-              <a:spcAft>
-                <a:spcPts val="0"/>
-              </a:spcAft>
-              <a:buSzPts val="1100"/>
-              <a:buNone/>
-            </a:pPr>
-            <a:endParaRPr/>
-          </a:p>
-        </p:txBody>
-      </p:sp>
-      <p:sp>
-        <p:nvSpPr>
-          <p:cNvPr id="99" name="Google Shape;99;p1:notes"/>
-          <p:cNvSpPr>
-            <a:spLocks noGrp="1" noRot="1" noChangeAspect="1"/>
-          </p:cNvSpPr>
-          <p:nvPr>
-            <p:ph type="sldImg" idx="2"/>
-          </p:nvPr>
-        </p:nvSpPr>
-        <p:spPr>
-          <a:xfrm>
-            <a:off x="381000" y="685800"/>
-            <a:ext cx="6096000" cy="3429000"/>
-          </a:xfrm>
-          <a:custGeom>
-            <a:avLst/>
-            <a:gdLst/>
-            <a:ahLst/>
-            <a:cxnLst/>
-            <a:rect l="l" t="t" r="r" b="b"/>
-            <a:pathLst>
-              <a:path w="120000" h="120000" extrusionOk="0">
-                <a:moveTo>
-                  <a:pt x="0" y="0"/>
-                </a:moveTo>
-                <a:lnTo>
-                  <a:pt x="120000" y="0"/>
-                </a:lnTo>
-                <a:lnTo>
-                  <a:pt x="120000" y="120000"/>
-                </a:lnTo>
-                <a:lnTo>
-                  <a:pt x="0" y="120000"/>
-                </a:lnTo>
-                <a:close/>
-              </a:path>
-            </a:pathLst>
-          </a:custGeom>
-          <a:noFill/>
-          <a:ln w="9525" cap="flat" cmpd="sng">
-            <a:solidFill>
-              <a:srgbClr val="000000"/>
-            </a:solidFill>
-            <a:prstDash val="solid"/>
-            <a:round/>
-            <a:headEnd type="none" w="sm" len="sm"/>
-            <a:tailEnd type="none" w="sm" len="sm"/>
-          </a:ln>
-        </p:spPr>
-      </p:sp>
-    </p:spTree>
-    <p:extLst>
-      <p:ext uri="{BB962C8B-B14F-4D97-AF65-F5344CB8AC3E}">
-        <p14:creationId xmlns:p14="http://schemas.microsoft.com/office/powerpoint/2010/main" val="97664502"/>
-      </p:ext>
-    </p:extLst>
-  </p:cSld>
-  <p:clrMapOvr>
-    <a:masterClrMapping/>
-  </p:clrMapOvr>
-</p:notes>
-</file>
-
-<file path=ppt/notesSlides/notesSlide3.xml><?xml version="1.0" encoding="utf-8"?>
-<p:notes xmlns:a="http://schemas.openxmlformats.org/drawingml/2006/main" xmlns:r="http://schemas.openxmlformats.org/officeDocument/2006/relationships" xmlns:p="http://schemas.openxmlformats.org/presentationml/2006/main" showMasterSp="0" showMasterPhAnim="0">
-  <p:cSld>
-    <p:spTree>
-      <p:nvGrpSpPr>
         <p:cNvPr id="1" name="Shape 105"/>
         <p:cNvGrpSpPr/>
         <p:nvPr/>
@@ -1964,7 +1714,7 @@
 </p:notes>
 </file>
 
-<file path=ppt/notesSlides/notesSlide4.xml><?xml version="1.0" encoding="utf-8"?>
+<file path=ppt/notesSlides/notesSlide3.xml><?xml version="1.0" encoding="utf-8"?>
 <p:notes xmlns:a="http://schemas.openxmlformats.org/drawingml/2006/main" xmlns:r="http://schemas.openxmlformats.org/officeDocument/2006/relationships" xmlns:p="http://schemas.openxmlformats.org/presentationml/2006/main" showMasterSp="0" showMasterPhAnim="0">
   <p:cSld>
     <p:spTree>
@@ -2091,7 +1841,7 @@
 </p:notes>
 </file>
 
-<file path=ppt/notesSlides/notesSlide5.xml><?xml version="1.0" encoding="utf-8"?>
+<file path=ppt/notesSlides/notesSlide4.xml><?xml version="1.0" encoding="utf-8"?>
 <p:notes xmlns:a="http://schemas.openxmlformats.org/drawingml/2006/main" xmlns:r="http://schemas.openxmlformats.org/officeDocument/2006/relationships" xmlns:p="http://schemas.openxmlformats.org/presentationml/2006/main" showMasterSp="0" showMasterPhAnim="0">
   <p:cSld>
     <p:spTree>
@@ -2218,7 +1968,7 @@
 </p:notes>
 </file>
 
-<file path=ppt/notesSlides/notesSlide6.xml><?xml version="1.0" encoding="utf-8"?>
+<file path=ppt/notesSlides/notesSlide5.xml><?xml version="1.0" encoding="utf-8"?>
 <p:notes xmlns:a="http://schemas.openxmlformats.org/drawingml/2006/main" xmlns:r="http://schemas.openxmlformats.org/officeDocument/2006/relationships" xmlns:p="http://schemas.openxmlformats.org/presentationml/2006/main" showMasterSp="0" showMasterPhAnim="0">
   <p:cSld>
     <p:spTree>
@@ -2345,7 +2095,7 @@
 </p:notes>
 </file>
 
-<file path=ppt/notesSlides/notesSlide7.xml><?xml version="1.0" encoding="utf-8"?>
+<file path=ppt/notesSlides/notesSlide6.xml><?xml version="1.0" encoding="utf-8"?>
 <p:notes xmlns:a="http://schemas.openxmlformats.org/drawingml/2006/main" xmlns:r="http://schemas.openxmlformats.org/officeDocument/2006/relationships" xmlns:p="http://schemas.openxmlformats.org/presentationml/2006/main" showMasterSp="0" showMasterPhAnim="0">
   <p:cSld>
     <p:spTree>
@@ -2472,7 +2222,7 @@
 </p:notes>
 </file>
 
-<file path=ppt/notesSlides/notesSlide8.xml><?xml version="1.0" encoding="utf-8"?>
+<file path=ppt/notesSlides/notesSlide7.xml><?xml version="1.0" encoding="utf-8"?>
 <p:notes xmlns:a="http://schemas.openxmlformats.org/drawingml/2006/main" xmlns:r="http://schemas.openxmlformats.org/officeDocument/2006/relationships" xmlns:p="http://schemas.openxmlformats.org/presentationml/2006/main" showMasterSp="0" showMasterPhAnim="0">
   <p:cSld>
     <p:spTree>
@@ -2599,7 +2349,7 @@
 </p:notes>
 </file>
 
-<file path=ppt/notesSlides/notesSlide9.xml><?xml version="1.0" encoding="utf-8"?>
+<file path=ppt/notesSlides/notesSlide8.xml><?xml version="1.0" encoding="utf-8"?>
 <p:notes xmlns:a="http://schemas.openxmlformats.org/drawingml/2006/main" xmlns:r="http://schemas.openxmlformats.org/officeDocument/2006/relationships" xmlns:p="http://schemas.openxmlformats.org/presentationml/2006/main" showMasterSp="0" showMasterPhAnim="0">
   <p:cSld>
     <p:spTree>
@@ -2717,6 +2467,133 @@
     <p:extLst>
       <p:ext uri="{BB962C8B-B14F-4D97-AF65-F5344CB8AC3E}">
         <p14:creationId xmlns:p14="http://schemas.microsoft.com/office/powerpoint/2010/main" val="474275459"/>
+      </p:ext>
+    </p:extLst>
+  </p:cSld>
+  <p:clrMapOvr>
+    <a:masterClrMapping/>
+  </p:clrMapOvr>
+</p:notes>
+</file>
+
+<file path=ppt/notesSlides/notesSlide9.xml><?xml version="1.0" encoding="utf-8"?>
+<p:notes xmlns:a="http://schemas.openxmlformats.org/drawingml/2006/main" xmlns:r="http://schemas.openxmlformats.org/officeDocument/2006/relationships" xmlns:p="http://schemas.openxmlformats.org/presentationml/2006/main" showMasterSp="0" showMasterPhAnim="0">
+  <p:cSld>
+    <p:spTree>
+      <p:nvGrpSpPr>
+        <p:cNvPr id="1" name="Shape 154"/>
+        <p:cNvGrpSpPr/>
+        <p:nvPr/>
+      </p:nvGrpSpPr>
+      <p:grpSpPr>
+        <a:xfrm>
+          <a:off x="0" y="0"/>
+          <a:ext cx="0" cy="0"/>
+          <a:chOff x="0" y="0"/>
+          <a:chExt cx="0" cy="0"/>
+        </a:xfrm>
+      </p:grpSpPr>
+      <p:sp>
+        <p:nvSpPr>
+          <p:cNvPr id="155" name="Google Shape;155;p9:notes"/>
+          <p:cNvSpPr>
+            <a:spLocks noGrp="1" noRot="1" noChangeAspect="1"/>
+          </p:cNvSpPr>
+          <p:nvPr>
+            <p:ph type="sldImg" idx="2"/>
+          </p:nvPr>
+        </p:nvSpPr>
+        <p:spPr>
+          <a:xfrm>
+            <a:off x="381000" y="685800"/>
+            <a:ext cx="6096000" cy="3429000"/>
+          </a:xfrm>
+          <a:custGeom>
+            <a:avLst/>
+            <a:gdLst/>
+            <a:ahLst/>
+            <a:cxnLst/>
+            <a:rect l="l" t="t" r="r" b="b"/>
+            <a:pathLst>
+              <a:path w="120000" h="120000" extrusionOk="0">
+                <a:moveTo>
+                  <a:pt x="0" y="0"/>
+                </a:moveTo>
+                <a:lnTo>
+                  <a:pt x="120000" y="0"/>
+                </a:lnTo>
+                <a:lnTo>
+                  <a:pt x="120000" y="120000"/>
+                </a:lnTo>
+                <a:lnTo>
+                  <a:pt x="0" y="120000"/>
+                </a:lnTo>
+                <a:close/>
+              </a:path>
+            </a:pathLst>
+          </a:custGeom>
+          <a:noFill/>
+          <a:ln w="9525" cap="flat" cmpd="sng">
+            <a:solidFill>
+              <a:srgbClr val="000000"/>
+            </a:solidFill>
+            <a:prstDash val="solid"/>
+            <a:round/>
+            <a:headEnd type="none" w="sm" len="sm"/>
+            <a:tailEnd type="none" w="sm" len="sm"/>
+          </a:ln>
+        </p:spPr>
+      </p:sp>
+      <p:sp>
+        <p:nvSpPr>
+          <p:cNvPr id="156" name="Google Shape;156;p9:notes"/>
+          <p:cNvSpPr txBox="1">
+            <a:spLocks noGrp="1"/>
+          </p:cNvSpPr>
+          <p:nvPr>
+            <p:ph type="body" idx="1"/>
+          </p:nvPr>
+        </p:nvSpPr>
+        <p:spPr>
+          <a:xfrm>
+            <a:off x="685800" y="4343400"/>
+            <a:ext cx="5486400" cy="4114800"/>
+          </a:xfrm>
+          <a:prstGeom prst="rect">
+            <a:avLst/>
+          </a:prstGeom>
+          <a:noFill/>
+          <a:ln>
+            <a:noFill/>
+          </a:ln>
+        </p:spPr>
+        <p:txBody>
+          <a:bodyPr spcFirstLastPara="1" wrap="square" lIns="91425" tIns="91425" rIns="91425" bIns="91425" anchor="t" anchorCtr="0">
+            <a:noAutofit/>
+          </a:bodyPr>
+          <a:lstStyle/>
+          <a:p>
+            <a:pPr marL="0" lvl="0" indent="0" algn="l" rtl="0">
+              <a:lnSpc>
+                <a:spcPct val="100000"/>
+              </a:lnSpc>
+              <a:spcBef>
+                <a:spcPts val="0"/>
+              </a:spcBef>
+              <a:spcAft>
+                <a:spcPts val="0"/>
+              </a:spcAft>
+              <a:buSzPts val="1100"/>
+              <a:buNone/>
+            </a:pPr>
+            <a:endParaRPr/>
+          </a:p>
+        </p:txBody>
+      </p:sp>
+    </p:spTree>
+    <p:extLst>
+      <p:ext uri="{BB962C8B-B14F-4D97-AF65-F5344CB8AC3E}">
+        <p14:creationId xmlns:p14="http://schemas.microsoft.com/office/powerpoint/2010/main" val="1167700715"/>
       </p:ext>
     </p:extLst>
   </p:cSld>
@@ -19158,207 +19035,17 @@
   <p:clrMapOvr>
     <a:masterClrMapping/>
   </p:clrMapOvr>
+  <p:timing>
+    <p:tnLst>
+      <p:par>
+        <p:cTn id="1" dur="indefinite" restart="never" nodeType="tmRoot"/>
+      </p:par>
+    </p:tnLst>
+  </p:timing>
 </p:sld>
 </file>
 
 <file path=ppt/slides/slide10.xml><?xml version="1.0" encoding="utf-8"?>
-<p:sld xmlns:a="http://schemas.openxmlformats.org/drawingml/2006/main" xmlns:r="http://schemas.openxmlformats.org/officeDocument/2006/relationships" xmlns:p="http://schemas.openxmlformats.org/presentationml/2006/main">
-  <p:cSld>
-    <p:spTree>
-      <p:nvGrpSpPr>
-        <p:cNvPr id="1" name="Shape 157"/>
-        <p:cNvGrpSpPr/>
-        <p:nvPr/>
-      </p:nvGrpSpPr>
-      <p:grpSpPr>
-        <a:xfrm>
-          <a:off x="0" y="0"/>
-          <a:ext cx="0" cy="0"/>
-          <a:chOff x="0" y="0"/>
-          <a:chExt cx="0" cy="0"/>
-        </a:xfrm>
-      </p:grpSpPr>
-      <p:sp>
-        <p:nvSpPr>
-          <p:cNvPr id="158" name="Google Shape;158;p23"/>
-          <p:cNvSpPr txBox="1">
-            <a:spLocks noGrp="1"/>
-          </p:cNvSpPr>
-          <p:nvPr>
-            <p:ph type="title"/>
-          </p:nvPr>
-        </p:nvSpPr>
-        <p:spPr>
-          <a:xfrm>
-            <a:off x="609600" y="274639"/>
-            <a:ext cx="10972800" cy="1143000"/>
-          </a:xfrm>
-          <a:prstGeom prst="rect">
-            <a:avLst/>
-          </a:prstGeom>
-          <a:noFill/>
-          <a:ln>
-            <a:noFill/>
-          </a:ln>
-        </p:spPr>
-        <p:txBody>
-          <a:bodyPr spcFirstLastPara="1" wrap="square" lIns="91425" tIns="45700" rIns="91425" bIns="45700" anchor="ctr" anchorCtr="0">
-            <a:noAutofit/>
-          </a:bodyPr>
-          <a:lstStyle/>
-          <a:p>
-            <a:pPr marL="0" lvl="0" indent="0" algn="l" rtl="0">
-              <a:lnSpc>
-                <a:spcPct val="100000"/>
-              </a:lnSpc>
-              <a:spcBef>
-                <a:spcPts val="0"/>
-              </a:spcBef>
-              <a:spcAft>
-                <a:spcPts val="0"/>
-              </a:spcAft>
-              <a:buSzPts val="4800"/>
-              <a:buNone/>
-            </a:pPr>
-            <a:r>
-              <a:rPr lang="en-US"/>
-              <a:t>Halaman insertmovie.php</a:t>
-            </a:r>
-            <a:endParaRPr/>
-          </a:p>
-        </p:txBody>
-      </p:sp>
-      <p:sp>
-        <p:nvSpPr>
-          <p:cNvPr id="159" name="Google Shape;159;p23"/>
-          <p:cNvSpPr txBox="1">
-            <a:spLocks noGrp="1"/>
-          </p:cNvSpPr>
-          <p:nvPr>
-            <p:ph type="body" idx="1"/>
-          </p:nvPr>
-        </p:nvSpPr>
-        <p:spPr>
-          <a:xfrm>
-            <a:off x="609600" y="1600201"/>
-            <a:ext cx="10972800" cy="4526100"/>
-          </a:xfrm>
-          <a:prstGeom prst="rect">
-            <a:avLst/>
-          </a:prstGeom>
-          <a:noFill/>
-          <a:ln>
-            <a:noFill/>
-          </a:ln>
-        </p:spPr>
-        <p:txBody>
-          <a:bodyPr spcFirstLastPara="1" wrap="square" lIns="91425" tIns="45700" rIns="91425" bIns="45700" anchor="t" anchorCtr="0">
-            <a:noAutofit/>
-          </a:bodyPr>
-          <a:lstStyle/>
-          <a:p>
-            <a:pPr marL="0" lvl="0" indent="0" algn="l" rtl="0">
-              <a:lnSpc>
-                <a:spcPct val="100000"/>
-              </a:lnSpc>
-              <a:spcBef>
-                <a:spcPts val="533"/>
-              </a:spcBef>
-              <a:spcAft>
-                <a:spcPts val="0"/>
-              </a:spcAft>
-              <a:buSzPts val="2667"/>
-              <a:buNone/>
-            </a:pPr>
-            <a:r>
-              <a:rPr lang="en-US"/>
-              <a:t>Jika sebelumnya pilihan checkbox genre ditulis secara hardcode, maka sekarang, daftar checkbox genre harus diambil dari dalam database</a:t>
-            </a:r>
-            <a:endParaRPr/>
-          </a:p>
-          <a:p>
-            <a:pPr marL="0" lvl="0" indent="0" algn="l" rtl="0">
-              <a:lnSpc>
-                <a:spcPct val="100000"/>
-              </a:lnSpc>
-              <a:spcBef>
-                <a:spcPts val="533"/>
-              </a:spcBef>
-              <a:spcAft>
-                <a:spcPts val="0"/>
-              </a:spcAft>
-              <a:buSzPts val="2667"/>
-              <a:buNone/>
-            </a:pPr>
-            <a:endParaRPr/>
-          </a:p>
-          <a:p>
-            <a:pPr marL="0" lvl="0" indent="0" algn="l" rtl="0">
-              <a:lnSpc>
-                <a:spcPct val="100000"/>
-              </a:lnSpc>
-              <a:spcBef>
-                <a:spcPts val="533"/>
-              </a:spcBef>
-              <a:spcAft>
-                <a:spcPts val="0"/>
-              </a:spcAft>
-              <a:buSzPts val="2667"/>
-              <a:buNone/>
-            </a:pPr>
-            <a:r>
-              <a:rPr lang="en-US"/>
-              <a:t>gunakan saja penamaan Array pada masing-masing checkbox</a:t>
-            </a:r>
-            <a:endParaRPr/>
-          </a:p>
-          <a:p>
-            <a:pPr marL="0" lvl="0" indent="0" algn="l" rtl="0">
-              <a:lnSpc>
-                <a:spcPct val="100000"/>
-              </a:lnSpc>
-              <a:spcBef>
-                <a:spcPts val="533"/>
-              </a:spcBef>
-              <a:spcAft>
-                <a:spcPts val="0"/>
-              </a:spcAft>
-              <a:buSzPts val="2667"/>
-              <a:buNone/>
-            </a:pPr>
-            <a:endParaRPr/>
-          </a:p>
-          <a:p>
-            <a:pPr marL="0" lvl="0" indent="0" algn="l" rtl="0">
-              <a:lnSpc>
-                <a:spcPct val="100000"/>
-              </a:lnSpc>
-              <a:spcBef>
-                <a:spcPts val="533"/>
-              </a:spcBef>
-              <a:spcAft>
-                <a:spcPts val="0"/>
-              </a:spcAft>
-              <a:buSzPts val="2667"/>
-              <a:buNone/>
-            </a:pPr>
-            <a:r>
-              <a:rPr lang="en-US"/>
-              <a:t>&lt;input type=”checkbox” name=”genre[]” …..</a:t>
-            </a:r>
-            <a:endParaRPr/>
-          </a:p>
-        </p:txBody>
-      </p:sp>
-    </p:spTree>
-  </p:cSld>
-  <p:clrMapOvr>
-    <a:masterClrMapping/>
-  </p:clrMapOvr>
-</p:sld>
-</file>
-
-<file path=ppt/slides/slide11.xml><?xml version="1.0" encoding="utf-8"?>
 <p:sld xmlns:a="http://schemas.openxmlformats.org/drawingml/2006/main" xmlns:r="http://schemas.openxmlformats.org/officeDocument/2006/relationships" xmlns:p="http://schemas.openxmlformats.org/presentationml/2006/main">
   <p:cSld>
     <p:spTree>
@@ -19548,7 +19235,7 @@
 </p:sld>
 </file>
 
-<file path=ppt/slides/slide12.xml><?xml version="1.0" encoding="utf-8"?>
+<file path=ppt/slides/slide11.xml><?xml version="1.0" encoding="utf-8"?>
 <p:sld xmlns:a="http://schemas.openxmlformats.org/drawingml/2006/main" xmlns:r="http://schemas.openxmlformats.org/officeDocument/2006/relationships" xmlns:p="http://schemas.openxmlformats.org/presentationml/2006/main">
   <p:cSld>
     <p:spTree>
@@ -19673,7 +19360,7 @@
 </p:sld>
 </file>
 
-<file path=ppt/slides/slide13.xml><?xml version="1.0" encoding="utf-8"?>
+<file path=ppt/slides/slide12.xml><?xml version="1.0" encoding="utf-8"?>
 <p:sld xmlns:a="http://schemas.openxmlformats.org/drawingml/2006/main" xmlns:r="http://schemas.openxmlformats.org/officeDocument/2006/relationships" xmlns:p="http://schemas.openxmlformats.org/presentationml/2006/main">
   <p:cSld>
     <p:spTree>
@@ -19826,7 +19513,7 @@
 </p:sld>
 </file>
 
-<file path=ppt/slides/slide14.xml><?xml version="1.0" encoding="utf-8"?>
+<file path=ppt/slides/slide13.xml><?xml version="1.0" encoding="utf-8"?>
 <p:sld xmlns:a="http://schemas.openxmlformats.org/drawingml/2006/main" xmlns:r="http://schemas.openxmlformats.org/officeDocument/2006/relationships" xmlns:p="http://schemas.openxmlformats.org/presentationml/2006/main">
   <p:cSld>
     <p:spTree>
@@ -20927,7 +20614,7 @@
 </p:sld>
 </file>
 
-<file path=ppt/slides/slide15.xml><?xml version="1.0" encoding="utf-8"?>
+<file path=ppt/slides/slide14.xml><?xml version="1.0" encoding="utf-8"?>
 <p:sld xmlns:a="http://schemas.openxmlformats.org/drawingml/2006/main" xmlns:r="http://schemas.openxmlformats.org/officeDocument/2006/relationships" xmlns:p="http://schemas.openxmlformats.org/presentationml/2006/main">
   <p:cSld>
     <p:spTree>
@@ -21168,262 +20855,6 @@
   <p:cSld>
     <p:spTree>
       <p:nvGrpSpPr>
-        <p:cNvPr id="1" name="Shape 100"/>
-        <p:cNvGrpSpPr/>
-        <p:nvPr/>
-      </p:nvGrpSpPr>
-      <p:grpSpPr>
-        <a:xfrm>
-          <a:off x="0" y="0"/>
-          <a:ext cx="0" cy="0"/>
-          <a:chOff x="0" y="0"/>
-          <a:chExt cx="0" cy="0"/>
-        </a:xfrm>
-      </p:grpSpPr>
-      <p:sp>
-        <p:nvSpPr>
-          <p:cNvPr id="101" name="Google Shape;101;p15"/>
-          <p:cNvSpPr txBox="1">
-            <a:spLocks noGrp="1"/>
-          </p:cNvSpPr>
-          <p:nvPr>
-            <p:ph type="ctrTitle"/>
-          </p:nvPr>
-        </p:nvSpPr>
-        <p:spPr>
-          <a:xfrm>
-            <a:off x="914400" y="2130426"/>
-            <a:ext cx="10363200" cy="1271633"/>
-          </a:xfrm>
-          <a:prstGeom prst="rect">
-            <a:avLst/>
-          </a:prstGeom>
-          <a:noFill/>
-          <a:ln>
-            <a:noFill/>
-          </a:ln>
-        </p:spPr>
-        <p:txBody>
-          <a:bodyPr spcFirstLastPara="1" wrap="square" lIns="91425" tIns="45700" rIns="91425" bIns="45700" anchor="ctr" anchorCtr="0">
-            <a:normAutofit/>
-          </a:bodyPr>
-          <a:lstStyle/>
-          <a:p>
-            <a:pPr marL="0" lvl="0" indent="0" algn="l" rtl="0">
-              <a:lnSpc>
-                <a:spcPct val="100000"/>
-              </a:lnSpc>
-              <a:spcBef>
-                <a:spcPts val="0"/>
-              </a:spcBef>
-              <a:spcAft>
-                <a:spcPts val="0"/>
-              </a:spcAft>
-              <a:buClr>
-                <a:srgbClr val="C6D9F1"/>
-              </a:buClr>
-              <a:buSzPts val="6400"/>
-              <a:buFont typeface="Arial"/>
-              <a:buNone/>
-            </a:pPr>
-            <a:r>
-              <a:rPr lang="en-US"/>
-              <a:t>Database</a:t>
-            </a:r>
-            <a:endParaRPr/>
-          </a:p>
-        </p:txBody>
-      </p:sp>
-      <p:sp>
-        <p:nvSpPr>
-          <p:cNvPr id="102" name="Google Shape;102;p15"/>
-          <p:cNvSpPr txBox="1">
-            <a:spLocks noGrp="1"/>
-          </p:cNvSpPr>
-          <p:nvPr>
-            <p:ph type="subTitle" idx="1"/>
-          </p:nvPr>
-        </p:nvSpPr>
-        <p:spPr>
-          <a:xfrm>
-            <a:off x="6246860" y="4630961"/>
-            <a:ext cx="3953435" cy="478559"/>
-          </a:xfrm>
-          <a:prstGeom prst="rect">
-            <a:avLst/>
-          </a:prstGeom>
-          <a:noFill/>
-          <a:ln>
-            <a:noFill/>
-          </a:ln>
-        </p:spPr>
-        <p:txBody>
-          <a:bodyPr spcFirstLastPara="1" wrap="square" lIns="91425" tIns="45700" rIns="91425" bIns="45700" anchor="t" anchorCtr="0">
-            <a:normAutofit/>
-          </a:bodyPr>
-          <a:lstStyle/>
-          <a:p>
-            <a:pPr marL="0" lvl="0" indent="0" algn="l" rtl="0">
-              <a:lnSpc>
-                <a:spcPct val="100000"/>
-              </a:lnSpc>
-              <a:spcBef>
-                <a:spcPts val="0"/>
-              </a:spcBef>
-              <a:spcAft>
-                <a:spcPts val="0"/>
-              </a:spcAft>
-              <a:buClr>
-                <a:srgbClr val="FFFFFF"/>
-              </a:buClr>
-              <a:buSzPts val="2100"/>
-              <a:buNone/>
-            </a:pPr>
-            <a:r>
-              <a:rPr lang="en-US"/>
-              <a:t>Week 02</a:t>
-            </a:r>
-            <a:endParaRPr/>
-          </a:p>
-        </p:txBody>
-      </p:sp>
-      <p:sp>
-        <p:nvSpPr>
-          <p:cNvPr id="103" name="Google Shape;103;p15"/>
-          <p:cNvSpPr txBox="1">
-            <a:spLocks noGrp="1"/>
-          </p:cNvSpPr>
-          <p:nvPr>
-            <p:ph type="body" idx="2"/>
-          </p:nvPr>
-        </p:nvSpPr>
-        <p:spPr>
-          <a:xfrm>
-            <a:off x="914398" y="1554787"/>
-            <a:ext cx="7629237" cy="575639"/>
-          </a:xfrm>
-          <a:prstGeom prst="rect">
-            <a:avLst/>
-          </a:prstGeom>
-          <a:noFill/>
-          <a:ln>
-            <a:noFill/>
-          </a:ln>
-        </p:spPr>
-        <p:txBody>
-          <a:bodyPr spcFirstLastPara="1" wrap="square" lIns="91425" tIns="45700" rIns="91425" bIns="45700" anchor="t" anchorCtr="0">
-            <a:normAutofit/>
-          </a:bodyPr>
-          <a:lstStyle/>
-          <a:p>
-            <a:pPr marL="0" lvl="0" indent="0" algn="l" rtl="0">
-              <a:lnSpc>
-                <a:spcPct val="100000"/>
-              </a:lnSpc>
-              <a:spcBef>
-                <a:spcPts val="0"/>
-              </a:spcBef>
-              <a:spcAft>
-                <a:spcPts val="0"/>
-              </a:spcAft>
-              <a:buClr>
-                <a:srgbClr val="FFFFFF"/>
-              </a:buClr>
-              <a:buSzPts val="2400"/>
-              <a:buNone/>
-            </a:pPr>
-            <a:r>
-              <a:rPr lang="en-US"/>
-              <a:t>1604C051 – Full-stack Programming</a:t>
-            </a:r>
-            <a:endParaRPr/>
-          </a:p>
-        </p:txBody>
-      </p:sp>
-      <p:sp>
-        <p:nvSpPr>
-          <p:cNvPr id="104" name="Google Shape;104;p15"/>
-          <p:cNvSpPr txBox="1"/>
-          <p:nvPr/>
-        </p:nvSpPr>
-        <p:spPr>
-          <a:xfrm>
-            <a:off x="316525" y="6463600"/>
-            <a:ext cx="2499600" cy="213600"/>
-          </a:xfrm>
-          <a:prstGeom prst="rect">
-            <a:avLst/>
-          </a:prstGeom>
-          <a:noFill/>
-          <a:ln>
-            <a:noFill/>
-          </a:ln>
-        </p:spPr>
-        <p:txBody>
-          <a:bodyPr spcFirstLastPara="1" wrap="square" lIns="91425" tIns="91425" rIns="91425" bIns="91425" anchor="t" anchorCtr="0">
-            <a:noAutofit/>
-          </a:bodyPr>
-          <a:lstStyle/>
-          <a:p>
-            <a:pPr marL="0" marR="0" lvl="0" indent="0" algn="l" rtl="0">
-              <a:lnSpc>
-                <a:spcPct val="100000"/>
-              </a:lnSpc>
-              <a:spcBef>
-                <a:spcPts val="0"/>
-              </a:spcBef>
-              <a:spcAft>
-                <a:spcPts val="0"/>
-              </a:spcAft>
-              <a:buClr>
-                <a:srgbClr val="000000"/>
-              </a:buClr>
-              <a:buSzPts val="1400"/>
-              <a:buFont typeface="Arial"/>
-              <a:buNone/>
-            </a:pPr>
-            <a:r>
-              <a:rPr lang="en-US" sz="1400" b="0" i="1" u="none" strike="noStrike" cap="none">
-                <a:solidFill>
-                  <a:srgbClr val="FFFFFF"/>
-                </a:solidFill>
-                <a:latin typeface="Arial"/>
-                <a:ea typeface="Arial"/>
-                <a:cs typeface="Arial"/>
-                <a:sym typeface="Arial"/>
-              </a:rPr>
-              <a:t>Hendra Dinata</a:t>
-            </a:r>
-            <a:endParaRPr sz="1400" b="0" i="1" u="none" strike="noStrike" cap="none">
-              <a:solidFill>
-                <a:srgbClr val="FFFFFF"/>
-              </a:solidFill>
-              <a:latin typeface="Arial"/>
-              <a:ea typeface="Arial"/>
-              <a:cs typeface="Arial"/>
-              <a:sym typeface="Arial"/>
-            </a:endParaRPr>
-          </a:p>
-        </p:txBody>
-      </p:sp>
-    </p:spTree>
-    <p:extLst>
-      <p:ext uri="{BB962C8B-B14F-4D97-AF65-F5344CB8AC3E}">
-        <p14:creationId xmlns:p14="http://schemas.microsoft.com/office/powerpoint/2010/main" val="235687782"/>
-      </p:ext>
-    </p:extLst>
-  </p:cSld>
-  <p:clrMapOvr>
-    <a:masterClrMapping/>
-  </p:clrMapOvr>
-</p:sld>
-</file>
-
-<file path=ppt/slides/slide3.xml><?xml version="1.0" encoding="utf-8"?>
-<p:sld xmlns:a="http://schemas.openxmlformats.org/drawingml/2006/main" xmlns:r="http://schemas.openxmlformats.org/officeDocument/2006/relationships" xmlns:p="http://schemas.openxmlformats.org/presentationml/2006/main">
-  <p:cSld>
-    <p:spTree>
-      <p:nvGrpSpPr>
         <p:cNvPr id="1" name="Shape 108"/>
         <p:cNvGrpSpPr/>
         <p:nvPr/>
@@ -21687,10 +21118,17 @@
   <p:clrMapOvr>
     <a:masterClrMapping/>
   </p:clrMapOvr>
+  <p:timing>
+    <p:tnLst>
+      <p:par>
+        <p:cTn id="1" dur="indefinite" restart="never" nodeType="tmRoot"/>
+      </p:par>
+    </p:tnLst>
+  </p:timing>
 </p:sld>
 </file>
 
-<file path=ppt/slides/slide4.xml><?xml version="1.0" encoding="utf-8"?>
+<file path=ppt/slides/slide3.xml><?xml version="1.0" encoding="utf-8"?>
 <p:sld xmlns:a="http://schemas.openxmlformats.org/drawingml/2006/main" xmlns:r="http://schemas.openxmlformats.org/officeDocument/2006/relationships" xmlns:p="http://schemas.openxmlformats.org/presentationml/2006/main">
   <p:cSld>
     <p:spTree>
@@ -21875,7 +21313,7 @@
 </p:sld>
 </file>
 
-<file path=ppt/slides/slide5.xml><?xml version="1.0" encoding="utf-8"?>
+<file path=ppt/slides/slide4.xml><?xml version="1.0" encoding="utf-8"?>
 <p:sld xmlns:a="http://schemas.openxmlformats.org/drawingml/2006/main" xmlns:r="http://schemas.openxmlformats.org/officeDocument/2006/relationships" xmlns:p="http://schemas.openxmlformats.org/presentationml/2006/main">
   <p:cSld>
     <p:spTree>
@@ -22215,7 +21653,7 @@
 </p:sld>
 </file>
 
-<file path=ppt/slides/slide6.xml><?xml version="1.0" encoding="utf-8"?>
+<file path=ppt/slides/slide5.xml><?xml version="1.0" encoding="utf-8"?>
 <p:sld xmlns:a="http://schemas.openxmlformats.org/drawingml/2006/main" xmlns:r="http://schemas.openxmlformats.org/officeDocument/2006/relationships" xmlns:p="http://schemas.openxmlformats.org/presentationml/2006/main">
   <p:cSld>
     <p:spTree>
@@ -22356,7 +21794,7 @@
 </p:sld>
 </file>
 
-<file path=ppt/slides/slide7.xml><?xml version="1.0" encoding="utf-8"?>
+<file path=ppt/slides/slide6.xml><?xml version="1.0" encoding="utf-8"?>
 <p:sld xmlns:a="http://schemas.openxmlformats.org/drawingml/2006/main" xmlns:r="http://schemas.openxmlformats.org/officeDocument/2006/relationships" xmlns:p="http://schemas.openxmlformats.org/presentationml/2006/main">
   <p:cSld>
     <p:spTree>
@@ -22627,7 +22065,7 @@
 </p:sld>
 </file>
 
-<file path=ppt/slides/slide8.xml><?xml version="1.0" encoding="utf-8"?>
+<file path=ppt/slides/slide7.xml><?xml version="1.0" encoding="utf-8"?>
 <p:sld xmlns:a="http://schemas.openxmlformats.org/drawingml/2006/main" xmlns:r="http://schemas.openxmlformats.org/officeDocument/2006/relationships" xmlns:p="http://schemas.openxmlformats.org/presentationml/2006/main">
   <p:cSld>
     <p:spTree>
@@ -22895,7 +22333,7 @@
 </p:sld>
 </file>
 
-<file path=ppt/slides/slide9.xml><?xml version="1.0" encoding="utf-8"?>
+<file path=ppt/slides/slide8.xml><?xml version="1.0" encoding="utf-8"?>
 <p:sld xmlns:a="http://schemas.openxmlformats.org/drawingml/2006/main" xmlns:r="http://schemas.openxmlformats.org/officeDocument/2006/relationships" xmlns:p="http://schemas.openxmlformats.org/presentationml/2006/main">
   <p:cSld>
     <p:spTree>
@@ -23036,6 +22474,203 @@
           </a:ln>
         </p:spPr>
       </p:pic>
+    </p:spTree>
+  </p:cSld>
+  <p:clrMapOvr>
+    <a:masterClrMapping/>
+  </p:clrMapOvr>
+</p:sld>
+</file>
+
+<file path=ppt/slides/slide9.xml><?xml version="1.0" encoding="utf-8"?>
+<p:sld xmlns:a="http://schemas.openxmlformats.org/drawingml/2006/main" xmlns:r="http://schemas.openxmlformats.org/officeDocument/2006/relationships" xmlns:p="http://schemas.openxmlformats.org/presentationml/2006/main">
+  <p:cSld>
+    <p:spTree>
+      <p:nvGrpSpPr>
+        <p:cNvPr id="1" name="Shape 157"/>
+        <p:cNvGrpSpPr/>
+        <p:nvPr/>
+      </p:nvGrpSpPr>
+      <p:grpSpPr>
+        <a:xfrm>
+          <a:off x="0" y="0"/>
+          <a:ext cx="0" cy="0"/>
+          <a:chOff x="0" y="0"/>
+          <a:chExt cx="0" cy="0"/>
+        </a:xfrm>
+      </p:grpSpPr>
+      <p:sp>
+        <p:nvSpPr>
+          <p:cNvPr id="158" name="Google Shape;158;p23"/>
+          <p:cNvSpPr txBox="1">
+            <a:spLocks noGrp="1"/>
+          </p:cNvSpPr>
+          <p:nvPr>
+            <p:ph type="title"/>
+          </p:nvPr>
+        </p:nvSpPr>
+        <p:spPr>
+          <a:xfrm>
+            <a:off x="609600" y="274639"/>
+            <a:ext cx="10972800" cy="1143000"/>
+          </a:xfrm>
+          <a:prstGeom prst="rect">
+            <a:avLst/>
+          </a:prstGeom>
+          <a:noFill/>
+          <a:ln>
+            <a:noFill/>
+          </a:ln>
+        </p:spPr>
+        <p:txBody>
+          <a:bodyPr spcFirstLastPara="1" wrap="square" lIns="91425" tIns="45700" rIns="91425" bIns="45700" anchor="ctr" anchorCtr="0">
+            <a:noAutofit/>
+          </a:bodyPr>
+          <a:lstStyle/>
+          <a:p>
+            <a:pPr marL="0" lvl="0" indent="0" algn="l" rtl="0">
+              <a:lnSpc>
+                <a:spcPct val="100000"/>
+              </a:lnSpc>
+              <a:spcBef>
+                <a:spcPts val="0"/>
+              </a:spcBef>
+              <a:spcAft>
+                <a:spcPts val="0"/>
+              </a:spcAft>
+              <a:buSzPts val="4800"/>
+              <a:buNone/>
+            </a:pPr>
+            <a:r>
+              <a:rPr lang="en-US"/>
+              <a:t>Halaman insertmovie.php</a:t>
+            </a:r>
+            <a:endParaRPr/>
+          </a:p>
+        </p:txBody>
+      </p:sp>
+      <p:sp>
+        <p:nvSpPr>
+          <p:cNvPr id="159" name="Google Shape;159;p23"/>
+          <p:cNvSpPr txBox="1">
+            <a:spLocks noGrp="1"/>
+          </p:cNvSpPr>
+          <p:nvPr>
+            <p:ph type="body" idx="1"/>
+          </p:nvPr>
+        </p:nvSpPr>
+        <p:spPr>
+          <a:xfrm>
+            <a:off x="609600" y="1600201"/>
+            <a:ext cx="10972800" cy="4526100"/>
+          </a:xfrm>
+          <a:prstGeom prst="rect">
+            <a:avLst/>
+          </a:prstGeom>
+          <a:noFill/>
+          <a:ln>
+            <a:noFill/>
+          </a:ln>
+        </p:spPr>
+        <p:txBody>
+          <a:bodyPr spcFirstLastPara="1" wrap="square" lIns="91425" tIns="45700" rIns="91425" bIns="45700" anchor="t" anchorCtr="0">
+            <a:noAutofit/>
+          </a:bodyPr>
+          <a:lstStyle/>
+          <a:p>
+            <a:pPr marL="0" lvl="0" indent="0" algn="l" rtl="0">
+              <a:lnSpc>
+                <a:spcPct val="100000"/>
+              </a:lnSpc>
+              <a:spcBef>
+                <a:spcPts val="533"/>
+              </a:spcBef>
+              <a:spcAft>
+                <a:spcPts val="0"/>
+              </a:spcAft>
+              <a:buSzPts val="2667"/>
+              <a:buNone/>
+            </a:pPr>
+            <a:r>
+              <a:rPr lang="en-US"/>
+              <a:t>Jika sebelumnya pilihan checkbox genre ditulis secara hardcode, maka sekarang, daftar checkbox genre harus diambil dari dalam database</a:t>
+            </a:r>
+            <a:endParaRPr/>
+          </a:p>
+          <a:p>
+            <a:pPr marL="0" lvl="0" indent="0" algn="l" rtl="0">
+              <a:lnSpc>
+                <a:spcPct val="100000"/>
+              </a:lnSpc>
+              <a:spcBef>
+                <a:spcPts val="533"/>
+              </a:spcBef>
+              <a:spcAft>
+                <a:spcPts val="0"/>
+              </a:spcAft>
+              <a:buSzPts val="2667"/>
+              <a:buNone/>
+            </a:pPr>
+            <a:endParaRPr/>
+          </a:p>
+          <a:p>
+            <a:pPr marL="0" lvl="0" indent="0" algn="l" rtl="0">
+              <a:lnSpc>
+                <a:spcPct val="100000"/>
+              </a:lnSpc>
+              <a:spcBef>
+                <a:spcPts val="533"/>
+              </a:spcBef>
+              <a:spcAft>
+                <a:spcPts val="0"/>
+              </a:spcAft>
+              <a:buSzPts val="2667"/>
+              <a:buNone/>
+            </a:pPr>
+            <a:r>
+              <a:rPr lang="en-US"/>
+              <a:t>gunakan saja penamaan Array pada masing-masing checkbox</a:t>
+            </a:r>
+            <a:endParaRPr/>
+          </a:p>
+          <a:p>
+            <a:pPr marL="0" lvl="0" indent="0" algn="l" rtl="0">
+              <a:lnSpc>
+                <a:spcPct val="100000"/>
+              </a:lnSpc>
+              <a:spcBef>
+                <a:spcPts val="533"/>
+              </a:spcBef>
+              <a:spcAft>
+                <a:spcPts val="0"/>
+              </a:spcAft>
+              <a:buSzPts val="2667"/>
+              <a:buNone/>
+            </a:pPr>
+            <a:endParaRPr/>
+          </a:p>
+          <a:p>
+            <a:pPr marL="0" lvl="0" indent="0" algn="l" rtl="0">
+              <a:lnSpc>
+                <a:spcPct val="100000"/>
+              </a:lnSpc>
+              <a:spcBef>
+                <a:spcPts val="533"/>
+              </a:spcBef>
+              <a:spcAft>
+                <a:spcPts val="0"/>
+              </a:spcAft>
+              <a:buSzPts val="2667"/>
+              <a:buNone/>
+            </a:pPr>
+            <a:r>
+              <a:rPr lang="en-US"/>
+              <a:t>&lt;input type=”checkbox” name=”genre[]” …..</a:t>
+            </a:r>
+            <a:endParaRPr/>
+          </a:p>
+        </p:txBody>
+      </p:sp>
     </p:spTree>
   </p:cSld>
   <p:clrMapOvr>
